--- a/talk/tmu_20210318/TMU_20210318.pptx
+++ b/talk/tmu_20210318/TMU_20210318.pptx
@@ -4421,7 +4421,7 @@
         </p:nvSpPr>
         <p:spPr>
           <a:xfrm>
-            <a:off x="1368900" y="971500"/>
+            <a:off x="1428225" y="988622"/>
             <a:ext cx="5190300" cy="461700"/>
           </a:xfrm>
           <a:prstGeom prst="rect">
@@ -4451,7 +4451,7 @@
               <a:buNone/>
             </a:pPr>
             <a:r>
-              <a:rPr lang="zh-TW" sz="2000">
+              <a:rPr lang="zh-TW" sz="2000" dirty="0">
                 <a:solidFill>
                   <a:schemeClr val="lt1"/>
                 </a:solidFill>
@@ -4462,7 +4462,7 @@
               </a:rPr>
               <a:t>Exchange @ Lund Universitet, Sweden</a:t>
             </a:r>
-            <a:endParaRPr/>
+            <a:endParaRPr dirty="0"/>
           </a:p>
         </p:txBody>
       </p:sp>
@@ -4474,7 +4474,7 @@
         </p:nvSpPr>
         <p:spPr>
           <a:xfrm>
-            <a:off x="1849050" y="1602225"/>
+            <a:off x="1897850" y="1603100"/>
             <a:ext cx="6810000" cy="1015800"/>
           </a:xfrm>
           <a:prstGeom prst="rect">
@@ -4504,7 +4504,7 @@
               <a:buNone/>
             </a:pPr>
             <a:r>
-              <a:rPr lang="zh-TW" sz="2000">
+              <a:rPr lang="zh-TW" sz="2000" dirty="0">
                 <a:solidFill>
                   <a:schemeClr val="lt1"/>
                 </a:solidFill>
@@ -4515,7 +4515,7 @@
               </a:rPr>
               <a:t>MSc in Epidemiology @ Karolinska Institutet (KI), Sweden</a:t>
             </a:r>
-            <a:endParaRPr>
+            <a:endParaRPr dirty="0">
               <a:solidFill>
                 <a:schemeClr val="dk1"/>
               </a:solidFill>
@@ -4534,7 +4534,7 @@
               </a:spcAft>
               <a:buNone/>
             </a:pPr>
-            <a:endParaRPr sz="2000">
+            <a:endParaRPr sz="2000" dirty="0">
               <a:solidFill>
                 <a:schemeClr val="lt1"/>
               </a:solidFill>
@@ -4557,7 +4557,7 @@
               </a:spcAft>
               <a:buNone/>
             </a:pPr>
-            <a:endParaRPr sz="2000">
+            <a:endParaRPr sz="2000" dirty="0">
               <a:solidFill>
                 <a:schemeClr val="lt1"/>
               </a:solidFill>
@@ -4577,7 +4577,7 @@
         </p:nvSpPr>
         <p:spPr>
           <a:xfrm>
-            <a:off x="1852550" y="2202300"/>
+            <a:off x="1897850" y="2202300"/>
             <a:ext cx="6855300" cy="738900"/>
           </a:xfrm>
           <a:prstGeom prst="rect">
@@ -4607,7 +4607,7 @@
               <a:buNone/>
             </a:pPr>
             <a:r>
-              <a:rPr lang="zh-TW" sz="2000">
+              <a:rPr lang="zh-TW" sz="2000" dirty="0">
                 <a:solidFill>
                   <a:schemeClr val="lt1"/>
                 </a:solidFill>
@@ -4618,7 +4618,7 @@
               </a:rPr>
               <a:t>Research Assistant @ Department of Medical Epidemiology &amp; Biostatistics, KI</a:t>
             </a:r>
-            <a:endParaRPr sz="2000"/>
+            <a:endParaRPr sz="2000" dirty="0"/>
           </a:p>
         </p:txBody>
       </p:sp>
@@ -4630,7 +4630,7 @@
         </p:nvSpPr>
         <p:spPr>
           <a:xfrm>
-            <a:off x="1852550" y="3204200"/>
+            <a:off x="1897850" y="3204200"/>
             <a:ext cx="6855300" cy="461700"/>
           </a:xfrm>
           <a:prstGeom prst="rect">
@@ -5103,10 +5103,10 @@
               <a:buChar char="•"/>
             </a:pPr>
             <a:r>
-              <a:rPr lang="zh-TW"/>
+              <a:rPr lang="zh-TW" dirty="0"/>
               <a:t>6門流行病學</a:t>
             </a:r>
-            <a:endParaRPr/>
+            <a:endParaRPr dirty="0"/>
           </a:p>
           <a:p>
             <a:pPr marL="457200" lvl="0" indent="-317500" algn="l" rtl="0">
@@ -5120,10 +5120,10 @@
               <a:buChar char="•"/>
             </a:pPr>
             <a:r>
-              <a:rPr lang="zh-TW"/>
+              <a:rPr lang="zh-TW" dirty="0"/>
               <a:t>3門生物統計</a:t>
             </a:r>
-            <a:endParaRPr/>
+            <a:endParaRPr dirty="0"/>
           </a:p>
           <a:p>
             <a:pPr marL="457200" lvl="0" indent="-317500" algn="l" rtl="0">
@@ -5137,10 +5137,10 @@
               <a:buChar char="•"/>
             </a:pPr>
             <a:r>
-              <a:rPr lang="zh-TW"/>
+              <a:rPr lang="zh-TW" dirty="0"/>
               <a:t>1門質性研究設計</a:t>
             </a:r>
-            <a:endParaRPr/>
+            <a:endParaRPr dirty="0"/>
           </a:p>
           <a:p>
             <a:pPr marL="457200" lvl="0" indent="-317500" algn="l" rtl="0">
@@ -5154,10 +5154,10 @@
               <a:buChar char="•"/>
             </a:pPr>
             <a:r>
-              <a:rPr lang="zh-TW"/>
+              <a:rPr lang="zh-TW" dirty="0"/>
               <a:t>1門科學倫理</a:t>
             </a:r>
-            <a:endParaRPr/>
+            <a:endParaRPr lang="en-US" altLang="zh-TW" dirty="0"/>
           </a:p>
           <a:p>
             <a:pPr marL="457200" lvl="0" indent="-317500" algn="l" rtl="0">
@@ -5171,10 +5171,31 @@
               <a:buChar char="•"/>
             </a:pPr>
             <a:r>
-              <a:rPr lang="zh-TW"/>
+              <a:rPr lang="en-US" dirty="0"/>
+              <a:t>1</a:t>
+            </a:r>
+            <a:r>
+              <a:rPr lang="zh-CN" altLang="en-US" dirty="0"/>
+              <a:t>門碩士論文（最後一學期）</a:t>
+            </a:r>
+            <a:endParaRPr dirty="0"/>
+          </a:p>
+          <a:p>
+            <a:pPr marL="457200" lvl="0" indent="-317500" algn="l" rtl="0">
+              <a:spcBef>
+                <a:spcPts val="800"/>
+              </a:spcBef>
+              <a:spcAft>
+                <a:spcPts val="0"/>
+              </a:spcAft>
+              <a:buSzPts val="1400"/>
+              <a:buChar char="•"/>
+            </a:pPr>
+            <a:r>
+              <a:rPr lang="zh-TW" dirty="0"/>
               <a:t>通通都是必修，自由度低</a:t>
             </a:r>
-            <a:endParaRPr/>
+            <a:endParaRPr dirty="0"/>
           </a:p>
         </p:txBody>
       </p:sp>
@@ -5380,10 +5401,10 @@
               <a:buNone/>
             </a:pPr>
             <a:r>
-              <a:rPr lang="zh-TW" sz="3000"/>
+              <a:rPr lang="zh-TW" sz="3000" dirty="0"/>
               <a:t>誰適合來唸 MSc in PHS, Epidemiology</a:t>
             </a:r>
-            <a:endParaRPr sz="3000"/>
+            <a:endParaRPr sz="3000" dirty="0"/>
           </a:p>
           <a:p>
             <a:pPr marL="0" lvl="0" indent="0" algn="l" rtl="0">
@@ -5403,7 +5424,7 @@
               <a:buFont typeface="Calibri"/>
               <a:buNone/>
             </a:pPr>
-            <a:endParaRPr sz="3000"/>
+            <a:endParaRPr sz="3000" dirty="0"/>
           </a:p>
         </p:txBody>
       </p:sp>
@@ -5447,10 +5468,10 @@
               <a:buChar char="•"/>
             </a:pPr>
             <a:r>
-              <a:rPr lang="zh-TW"/>
+              <a:rPr lang="zh-TW" dirty="0"/>
               <a:t>非公衛系，可以考慮</a:t>
             </a:r>
-            <a:endParaRPr/>
+            <a:endParaRPr dirty="0"/>
           </a:p>
           <a:p>
             <a:pPr marL="914400" lvl="1" indent="-342900" algn="l" rtl="0">
@@ -5464,10 +5485,10 @@
               <a:buChar char="•"/>
             </a:pPr>
             <a:r>
-              <a:rPr lang="zh-TW"/>
+              <a:rPr lang="zh-TW" dirty="0"/>
               <a:t>流行病學的基礎訓練</a:t>
             </a:r>
-            <a:endParaRPr/>
+            <a:endParaRPr dirty="0"/>
           </a:p>
           <a:p>
             <a:pPr marL="457200" lvl="0" indent="-317500" algn="l" rtl="0">
@@ -5481,10 +5502,10 @@
               <a:buChar char="•"/>
             </a:pPr>
             <a:r>
-              <a:rPr lang="zh-TW"/>
+              <a:rPr lang="zh-TW" dirty="0"/>
               <a:t>公衛系，邊際效益並不高</a:t>
             </a:r>
-            <a:endParaRPr/>
+            <a:endParaRPr dirty="0"/>
           </a:p>
           <a:p>
             <a:pPr marL="914400" lvl="1" indent="-342900" algn="l" rtl="0">
@@ -5498,10 +5519,10 @@
               <a:buChar char="•"/>
             </a:pPr>
             <a:r>
-              <a:rPr lang="zh-TW"/>
-              <a:t>研究設計、資料分析、流行病學上的解釋</a:t>
+              <a:rPr lang="zh-TW" dirty="0"/>
+              <a:t>研究設計、資料分析</a:t>
             </a:r>
-            <a:endParaRPr/>
+            <a:endParaRPr lang="en-US" altLang="zh-TW" dirty="0"/>
           </a:p>
           <a:p>
             <a:pPr marL="914400" lvl="1" indent="-342900" algn="l" rtl="0">
@@ -5515,10 +5536,10 @@
               <a:buChar char="•"/>
             </a:pPr>
             <a:r>
-              <a:rPr lang="zh-TW"/>
+              <a:rPr lang="zh-TW" dirty="0"/>
               <a:t>人口登記系統研究</a:t>
             </a:r>
-            <a:endParaRPr/>
+            <a:endParaRPr dirty="0"/>
           </a:p>
           <a:p>
             <a:pPr marL="914400" lvl="1" indent="-342900" algn="l" rtl="0">
@@ -5532,10 +5553,10 @@
               <a:buChar char="•"/>
             </a:pPr>
             <a:r>
-              <a:rPr lang="zh-TW"/>
+              <a:rPr lang="zh-TW" dirty="0"/>
               <a:t>想要在KI讀PhD</a:t>
             </a:r>
-            <a:endParaRPr/>
+            <a:endParaRPr dirty="0"/>
           </a:p>
         </p:txBody>
       </p:sp>
@@ -5657,6 +5678,90 @@
               <a:ea typeface="Calibri"/>
               <a:cs typeface="Calibri"/>
               <a:sym typeface="Calibri"/>
+            </a:endParaRPr>
+          </a:p>
+        </p:txBody>
+      </p:sp>
+      <p:pic>
+        <p:nvPicPr>
+          <p:cNvPr id="2" name="Picture 1">
+            <a:extLst>
+              <a:ext uri="{FF2B5EF4-FFF2-40B4-BE49-F238E27FC236}">
+                <a16:creationId xmlns:a16="http://schemas.microsoft.com/office/drawing/2014/main" id="{6557197D-B939-314D-A43E-F27E89BAF438}"/>
+              </a:ext>
+            </a:extLst>
+          </p:cNvPr>
+          <p:cNvPicPr>
+            <a:picLocks noChangeAspect="1"/>
+          </p:cNvPicPr>
+          <p:nvPr/>
+        </p:nvPicPr>
+        <p:blipFill>
+          <a:blip r:embed="rId3"/>
+          <a:stretch>
+            <a:fillRect/>
+          </a:stretch>
+        </p:blipFill>
+        <p:spPr>
+          <a:xfrm>
+            <a:off x="5675870" y="1266755"/>
+            <a:ext cx="2339545" cy="2339545"/>
+          </a:xfrm>
+          <a:prstGeom prst="rect">
+            <a:avLst/>
+          </a:prstGeom>
+        </p:spPr>
+      </p:pic>
+      <p:sp>
+        <p:nvSpPr>
+          <p:cNvPr id="3" name="TextBox 2">
+            <a:extLst>
+              <a:ext uri="{FF2B5EF4-FFF2-40B4-BE49-F238E27FC236}">
+                <a16:creationId xmlns:a16="http://schemas.microsoft.com/office/drawing/2014/main" id="{4D8B232F-73C7-7648-93FA-395B6E0D84FB}"/>
+              </a:ext>
+            </a:extLst>
+          </p:cNvPr>
+          <p:cNvSpPr txBox="1"/>
+          <p:nvPr/>
+        </p:nvSpPr>
+        <p:spPr>
+          <a:xfrm>
+            <a:off x="5675870" y="3677861"/>
+            <a:ext cx="2339544" cy="646331"/>
+          </a:xfrm>
+          <a:prstGeom prst="rect">
+            <a:avLst/>
+          </a:prstGeom>
+          <a:noFill/>
+        </p:spPr>
+        <p:txBody>
+          <a:bodyPr wrap="square" rtlCol="0">
+            <a:spAutoFit/>
+          </a:bodyPr>
+          <a:lstStyle/>
+          <a:p>
+            <a:r>
+              <a:rPr lang="en-GB" sz="1200" b="1" dirty="0">
+                <a:solidFill>
+                  <a:schemeClr val="bg1"/>
+                </a:solidFill>
+              </a:rPr>
+              <a:t>The PPDAC cycle.</a:t>
+            </a:r>
+          </a:p>
+          <a:p>
+            <a:r>
+              <a:rPr lang="en-GB" sz="1200" b="1" dirty="0">
+                <a:solidFill>
+                  <a:schemeClr val="bg1"/>
+                </a:solidFill>
+              </a:rPr>
+              <a:t>Figure retrieved from Data Education in Schools. </a:t>
+            </a:r>
+            <a:endParaRPr lang="en-SE" sz="1200" dirty="0">
+              <a:solidFill>
+                <a:schemeClr val="bg1"/>
+              </a:solidFill>
             </a:endParaRPr>
           </a:p>
         </p:txBody>
@@ -5734,10 +5839,10 @@
               <a:buChar char="•"/>
             </a:pPr>
             <a:r>
-              <a:rPr lang="zh-TW"/>
+              <a:rPr lang="zh-TW" dirty="0"/>
               <a:t>經濟因素</a:t>
             </a:r>
-            <a:endParaRPr/>
+            <a:endParaRPr dirty="0"/>
           </a:p>
           <a:p>
             <a:pPr marL="457200" lvl="0" indent="-317500" algn="l" rtl="0">
@@ -5751,10 +5856,10 @@
               <a:buChar char="•"/>
             </a:pPr>
             <a:r>
-              <a:rPr lang="zh-TW"/>
+              <a:rPr lang="zh-TW" dirty="0"/>
               <a:t>家庭因素</a:t>
             </a:r>
-            <a:endParaRPr/>
+            <a:endParaRPr dirty="0"/>
           </a:p>
           <a:p>
             <a:pPr marL="457200" lvl="0" indent="-317500" algn="l" rtl="0">
@@ -5768,10 +5873,10 @@
               <a:buChar char="•"/>
             </a:pPr>
             <a:r>
-              <a:rPr lang="zh-TW"/>
+              <a:rPr lang="zh-TW" dirty="0"/>
               <a:t>因為愛情</a:t>
             </a:r>
-            <a:endParaRPr/>
+            <a:endParaRPr dirty="0"/>
           </a:p>
           <a:p>
             <a:pPr marL="457200" lvl="0" indent="-317500" algn="l" rtl="0">
@@ -5785,10 +5890,10 @@
               <a:buChar char="•"/>
             </a:pPr>
             <a:r>
-              <a:rPr lang="zh-TW"/>
+              <a:rPr lang="zh-TW" dirty="0"/>
               <a:t>跟這些人的故事</a:t>
             </a:r>
-            <a:endParaRPr/>
+            <a:endParaRPr dirty="0"/>
           </a:p>
           <a:p>
             <a:pPr marL="914400" lvl="1" indent="-317500" algn="l" rtl="0">
@@ -5802,10 +5907,10 @@
               <a:buChar char="•"/>
             </a:pPr>
             <a:r>
-              <a:rPr lang="zh-TW"/>
+              <a:rPr lang="zh-TW" dirty="0"/>
               <a:t>蘇丹醫師同學</a:t>
             </a:r>
-            <a:endParaRPr/>
+            <a:endParaRPr dirty="0"/>
           </a:p>
           <a:p>
             <a:pPr marL="914400" lvl="1" indent="-317500" algn="l" rtl="0">
@@ -5819,10 +5924,10 @@
               <a:buChar char="•"/>
             </a:pPr>
             <a:r>
-              <a:rPr lang="zh-TW"/>
+              <a:rPr lang="zh-TW" dirty="0"/>
               <a:t>印度藥師同學</a:t>
             </a:r>
-            <a:endParaRPr/>
+            <a:endParaRPr lang="zh-TW" altLang="en-US" dirty="0"/>
           </a:p>
           <a:p>
             <a:pPr marL="914400" lvl="1" indent="-317500" algn="l" rtl="0">
@@ -5836,10 +5941,9 @@
               <a:buChar char="•"/>
             </a:pPr>
             <a:r>
-              <a:rPr lang="zh-TW"/>
+              <a:rPr lang="zh-TW" altLang="en-US" dirty="0"/>
               <a:t>克羅埃西亞藥師同學</a:t>
             </a:r>
-            <a:endParaRPr/>
           </a:p>
         </p:txBody>
       </p:sp>
